--- a/powerpoints/6_Data_Acess.pptx
+++ b/powerpoints/6_Data_Acess.pptx
@@ -255,7 +255,7 @@
           <a:p>
             <a:fld id="{BD2F8E6A-3FCB-4009-B475-10F125E6B991}" type="datetimeFigureOut">
               <a:rPr lang="en-US" smtClean="0"/>
-              <a:t>6/11/2019</a:t>
+              <a:t>6/14/2019</a:t>
             </a:fld>
             <a:endParaRPr lang="en-US"/>
           </a:p>
@@ -4013,7 +4013,7 @@
             <a:fld id="{B61BEF0D-F0BB-DE4B-95CE-6DB70DBA9567}" type="datetimeFigureOut">
               <a:rPr lang="en-US" smtClean="0"/>
               <a:pPr/>
-              <a:t>6/11/2019</a:t>
+              <a:t>6/14/2019</a:t>
             </a:fld>
             <a:endParaRPr lang="en-US" dirty="0"/>
           </a:p>
@@ -4266,7 +4266,7 @@
             <a:fld id="{B61BEF0D-F0BB-DE4B-95CE-6DB70DBA9567}" type="datetimeFigureOut">
               <a:rPr lang="en-US" smtClean="0"/>
               <a:pPr/>
-              <a:t>6/11/2019</a:t>
+              <a:t>6/14/2019</a:t>
             </a:fld>
             <a:endParaRPr lang="en-US" dirty="0"/>
           </a:p>
@@ -4582,7 +4582,7 @@
             <a:fld id="{B61BEF0D-F0BB-DE4B-95CE-6DB70DBA9567}" type="datetimeFigureOut">
               <a:rPr lang="en-US" smtClean="0"/>
               <a:pPr/>
-              <a:t>6/11/2019</a:t>
+              <a:t>6/14/2019</a:t>
             </a:fld>
             <a:endParaRPr lang="en-US" dirty="0"/>
           </a:p>
@@ -4917,7 +4917,7 @@
             <a:fld id="{B61BEF0D-F0BB-DE4B-95CE-6DB70DBA9567}" type="datetimeFigureOut">
               <a:rPr lang="en-US" smtClean="0"/>
               <a:pPr/>
-              <a:t>6/11/2019</a:t>
+              <a:t>6/14/2019</a:t>
             </a:fld>
             <a:endParaRPr lang="en-US" dirty="0"/>
           </a:p>
@@ -5233,7 +5233,7 @@
             <a:fld id="{B61BEF0D-F0BB-DE4B-95CE-6DB70DBA9567}" type="datetimeFigureOut">
               <a:rPr lang="en-US" smtClean="0"/>
               <a:pPr/>
-              <a:t>6/11/2019</a:t>
+              <a:t>6/14/2019</a:t>
             </a:fld>
             <a:endParaRPr lang="en-US" dirty="0"/>
           </a:p>
@@ -5628,7 +5628,7 @@
             <a:fld id="{B61BEF0D-F0BB-DE4B-95CE-6DB70DBA9567}" type="datetimeFigureOut">
               <a:rPr lang="en-US" smtClean="0"/>
               <a:pPr/>
-              <a:t>6/11/2019</a:t>
+              <a:t>6/14/2019</a:t>
             </a:fld>
             <a:endParaRPr lang="en-US" dirty="0"/>
           </a:p>
@@ -5799,7 +5799,7 @@
           <a:p>
             <a:fld id="{55C6B4A9-1611-4792-9094-5F34BCA07E0B}" type="datetimeFigureOut">
               <a:rPr lang="en-US" smtClean="0"/>
-              <a:t>6/11/2019</a:t>
+              <a:t>6/14/2019</a:t>
             </a:fld>
             <a:endParaRPr lang="en-US" dirty="0"/>
           </a:p>
@@ -5980,7 +5980,7 @@
             <a:fld id="{B61BEF0D-F0BB-DE4B-95CE-6DB70DBA9567}" type="datetimeFigureOut">
               <a:rPr lang="en-US" smtClean="0"/>
               <a:pPr/>
-              <a:t>6/11/2019</a:t>
+              <a:t>6/14/2019</a:t>
             </a:fld>
             <a:endParaRPr lang="en-US" dirty="0"/>
           </a:p>
@@ -6151,7 +6151,7 @@
           <a:p>
             <a:fld id="{42A54C80-263E-416B-A8E0-580EDEADCBDC}" type="datetimeFigureOut">
               <a:rPr lang="en-US" smtClean="0"/>
-              <a:t>6/11/2019</a:t>
+              <a:t>6/14/2019</a:t>
             </a:fld>
             <a:endParaRPr lang="en-US" dirty="0"/>
           </a:p>
@@ -6399,7 +6399,7 @@
             <a:fld id="{B61BEF0D-F0BB-DE4B-95CE-6DB70DBA9567}" type="datetimeFigureOut">
               <a:rPr lang="en-US" smtClean="0"/>
               <a:pPr/>
-              <a:t>6/11/2019</a:t>
+              <a:t>6/14/2019</a:t>
             </a:fld>
             <a:endParaRPr lang="en-US" dirty="0"/>
           </a:p>
@@ -6632,7 +6632,7 @@
           <a:p>
             <a:fld id="{42A54C80-263E-416B-A8E0-580EDEADCBDC}" type="datetimeFigureOut">
               <a:rPr lang="en-US" smtClean="0"/>
-              <a:t>6/11/2019</a:t>
+              <a:t>6/14/2019</a:t>
             </a:fld>
             <a:endParaRPr lang="en-US" dirty="0"/>
           </a:p>
@@ -7007,7 +7007,7 @@
             <a:fld id="{B61BEF0D-F0BB-DE4B-95CE-6DB70DBA9567}" type="datetimeFigureOut">
               <a:rPr lang="en-US" smtClean="0"/>
               <a:pPr/>
-              <a:t>6/11/2019</a:t>
+              <a:t>6/14/2019</a:t>
             </a:fld>
             <a:endParaRPr lang="en-US" dirty="0"/>
           </a:p>
@@ -7132,7 +7132,7 @@
             <a:fld id="{B61BEF0D-F0BB-DE4B-95CE-6DB70DBA9567}" type="datetimeFigureOut">
               <a:rPr lang="en-US" smtClean="0"/>
               <a:pPr/>
-              <a:t>6/11/2019</a:t>
+              <a:t>6/14/2019</a:t>
             </a:fld>
             <a:endParaRPr lang="en-US" dirty="0"/>
           </a:p>
@@ -7229,7 +7229,7 @@
             <a:fld id="{B61BEF0D-F0BB-DE4B-95CE-6DB70DBA9567}" type="datetimeFigureOut">
               <a:rPr lang="en-US" smtClean="0"/>
               <a:pPr/>
-              <a:t>6/11/2019</a:t>
+              <a:t>6/14/2019</a:t>
             </a:fld>
             <a:endParaRPr lang="en-US" dirty="0"/>
           </a:p>
@@ -7485,7 +7485,7 @@
           <a:p>
             <a:fld id="{42A54C80-263E-416B-A8E0-580EDEADCBDC}" type="datetimeFigureOut">
               <a:rPr lang="en-US" smtClean="0"/>
-              <a:t>6/11/2019</a:t>
+              <a:t>6/14/2019</a:t>
             </a:fld>
             <a:endParaRPr lang="en-US" dirty="0"/>
           </a:p>
@@ -7792,7 +7792,7 @@
             <a:fld id="{B61BEF0D-F0BB-DE4B-95CE-6DB70DBA9567}" type="datetimeFigureOut">
               <a:rPr lang="en-US" smtClean="0"/>
               <a:pPr/>
-              <a:t>6/11/2019</a:t>
+              <a:t>6/14/2019</a:t>
             </a:fld>
             <a:endParaRPr lang="en-US" dirty="0"/>
           </a:p>
@@ -8495,7 +8495,7 @@
             <a:fld id="{B61BEF0D-F0BB-DE4B-95CE-6DB70DBA9567}" type="datetimeFigureOut">
               <a:rPr lang="en-US" smtClean="0"/>
               <a:pPr/>
-              <a:t>6/11/2019</a:t>
+              <a:t>6/14/2019</a:t>
             </a:fld>
             <a:endParaRPr lang="en-US" dirty="0"/>
           </a:p>
@@ -14861,8 +14861,14 @@
           <a:lstStyle/>
           <a:p>
             <a:r>
-              <a:rPr lang="en-US" dirty="0"/>
-              <a:t>Flush Mode</a:t>
+              <a:rPr lang="en-US" dirty="0">
+                <a:solidFill>
+                  <a:schemeClr val="bg1">
+                    <a:lumMod val="65000"/>
+                  </a:schemeClr>
+                </a:solidFill>
+              </a:rPr>
+              <a:t>*Flush Mode</a:t>
             </a:r>
           </a:p>
         </p:txBody>
@@ -14956,8 +14962,14 @@
           <a:lstStyle/>
           <a:p>
             <a:r>
-              <a:rPr lang="en-US" dirty="0"/>
-              <a:t>Example</a:t>
+              <a:rPr lang="en-US" dirty="0">
+                <a:solidFill>
+                  <a:schemeClr val="bg1">
+                    <a:lumMod val="65000"/>
+                  </a:schemeClr>
+                </a:solidFill>
+              </a:rPr>
+              <a:t>*Example</a:t>
             </a:r>
           </a:p>
         </p:txBody>
@@ -19494,10 +19506,10 @@
       </p:sp>
       <p:pic>
         <p:nvPicPr>
-          <p:cNvPr id="4" name="Picture 3">
+          <p:cNvPr id="3" name="Picture 2">
             <a:extLst>
               <a:ext uri="{FF2B5EF4-FFF2-40B4-BE49-F238E27FC236}">
-                <a16:creationId xmlns:a16="http://schemas.microsoft.com/office/drawing/2014/main" id="{F8BEE28B-0F0D-4D89-8EB0-D1DCDF45D6EC}"/>
+                <a16:creationId xmlns:a16="http://schemas.microsoft.com/office/drawing/2014/main" id="{818D4F62-D39A-48F5-B4AF-DD7AA099A6F7}"/>
               </a:ext>
             </a:extLst>
           </p:cNvPr>
@@ -19514,8 +19526,8 @@
         </p:blipFill>
         <p:spPr>
           <a:xfrm>
-            <a:off x="677334" y="1270000"/>
-            <a:ext cx="8344119" cy="5422900"/>
+            <a:off x="749030" y="1449422"/>
+            <a:ext cx="8769649" cy="4546746"/>
           </a:xfrm>
           <a:prstGeom prst="rect">
             <a:avLst/>
